--- a/LienzoCanva.pptx
+++ b/LienzoCanva.pptx
@@ -243,7 +243,7 @@
           <a:p>
             <a:fld id="{6384798C-91DC-4790-9F0F-4A6B153B4E8D}" type="datetimeFigureOut">
               <a:rPr lang="es-AR" smtClean="0"/>
-              <a:t>3/6/2023</a:t>
+              <a:t>17/6/2023</a:t>
             </a:fld>
             <a:endParaRPr lang="es-AR"/>
           </a:p>
@@ -413,7 +413,7 @@
           <a:p>
             <a:fld id="{6384798C-91DC-4790-9F0F-4A6B153B4E8D}" type="datetimeFigureOut">
               <a:rPr lang="es-AR" smtClean="0"/>
-              <a:t>3/6/2023</a:t>
+              <a:t>17/6/2023</a:t>
             </a:fld>
             <a:endParaRPr lang="es-AR"/>
           </a:p>
@@ -593,7 +593,7 @@
           <a:p>
             <a:fld id="{6384798C-91DC-4790-9F0F-4A6B153B4E8D}" type="datetimeFigureOut">
               <a:rPr lang="es-AR" smtClean="0"/>
-              <a:t>3/6/2023</a:t>
+              <a:t>17/6/2023</a:t>
             </a:fld>
             <a:endParaRPr lang="es-AR"/>
           </a:p>
@@ -763,7 +763,7 @@
           <a:p>
             <a:fld id="{6384798C-91DC-4790-9F0F-4A6B153B4E8D}" type="datetimeFigureOut">
               <a:rPr lang="es-AR" smtClean="0"/>
-              <a:t>3/6/2023</a:t>
+              <a:t>17/6/2023</a:t>
             </a:fld>
             <a:endParaRPr lang="es-AR"/>
           </a:p>
@@ -1009,7 +1009,7 @@
           <a:p>
             <a:fld id="{6384798C-91DC-4790-9F0F-4A6B153B4E8D}" type="datetimeFigureOut">
               <a:rPr lang="es-AR" smtClean="0"/>
-              <a:t>3/6/2023</a:t>
+              <a:t>17/6/2023</a:t>
             </a:fld>
             <a:endParaRPr lang="es-AR"/>
           </a:p>
@@ -1241,7 +1241,7 @@
           <a:p>
             <a:fld id="{6384798C-91DC-4790-9F0F-4A6B153B4E8D}" type="datetimeFigureOut">
               <a:rPr lang="es-AR" smtClean="0"/>
-              <a:t>3/6/2023</a:t>
+              <a:t>17/6/2023</a:t>
             </a:fld>
             <a:endParaRPr lang="es-AR"/>
           </a:p>
@@ -1608,7 +1608,7 @@
           <a:p>
             <a:fld id="{6384798C-91DC-4790-9F0F-4A6B153B4E8D}" type="datetimeFigureOut">
               <a:rPr lang="es-AR" smtClean="0"/>
-              <a:t>3/6/2023</a:t>
+              <a:t>17/6/2023</a:t>
             </a:fld>
             <a:endParaRPr lang="es-AR"/>
           </a:p>
@@ -1726,7 +1726,7 @@
           <a:p>
             <a:fld id="{6384798C-91DC-4790-9F0F-4A6B153B4E8D}" type="datetimeFigureOut">
               <a:rPr lang="es-AR" smtClean="0"/>
-              <a:t>3/6/2023</a:t>
+              <a:t>17/6/2023</a:t>
             </a:fld>
             <a:endParaRPr lang="es-AR"/>
           </a:p>
@@ -1821,7 +1821,7 @@
           <a:p>
             <a:fld id="{6384798C-91DC-4790-9F0F-4A6B153B4E8D}" type="datetimeFigureOut">
               <a:rPr lang="es-AR" smtClean="0"/>
-              <a:t>3/6/2023</a:t>
+              <a:t>17/6/2023</a:t>
             </a:fld>
             <a:endParaRPr lang="es-AR"/>
           </a:p>
@@ -2098,7 +2098,7 @@
           <a:p>
             <a:fld id="{6384798C-91DC-4790-9F0F-4A6B153B4E8D}" type="datetimeFigureOut">
               <a:rPr lang="es-AR" smtClean="0"/>
-              <a:t>3/6/2023</a:t>
+              <a:t>17/6/2023</a:t>
             </a:fld>
             <a:endParaRPr lang="es-AR"/>
           </a:p>
@@ -2351,7 +2351,7 @@
           <a:p>
             <a:fld id="{6384798C-91DC-4790-9F0F-4A6B153B4E8D}" type="datetimeFigureOut">
               <a:rPr lang="es-AR" smtClean="0"/>
-              <a:t>3/6/2023</a:t>
+              <a:t>17/6/2023</a:t>
             </a:fld>
             <a:endParaRPr lang="es-AR"/>
           </a:p>
@@ -2564,7 +2564,7 @@
           <a:p>
             <a:fld id="{6384798C-91DC-4790-9F0F-4A6B153B4E8D}" type="datetimeFigureOut">
               <a:rPr lang="es-AR" smtClean="0"/>
-              <a:t>3/6/2023</a:t>
+              <a:t>17/6/2023</a:t>
             </a:fld>
             <a:endParaRPr lang="es-AR"/>
           </a:p>
@@ -3126,7 +3126,6 @@
               <a:rPr lang="es-AR" sz="1700" b="1" dirty="0" smtClean="0"/>
               <a:t>Segmentos de clientes</a:t>
             </a:r>
-            <a:endParaRPr lang="es-AR" sz="1700" b="1" dirty="0" smtClean="0"/>
           </a:p>
           <a:p>
             <a:r>
@@ -3198,7 +3197,6 @@
               <a:rPr lang="es-AR" sz="2000" b="1" dirty="0" smtClean="0"/>
               <a:t>Actividades claves:</a:t>
             </a:r>
-            <a:endParaRPr lang="es-AR" sz="2000" b="1" dirty="0" smtClean="0"/>
           </a:p>
           <a:p>
             <a:r>
@@ -3246,7 +3244,6 @@
               <a:rPr lang="es-AR" sz="2000" b="1" dirty="0" smtClean="0"/>
               <a:t>Recursos claves</a:t>
             </a:r>
-            <a:endParaRPr lang="es-AR" sz="2000" b="1" dirty="0" smtClean="0"/>
           </a:p>
           <a:p>
             <a:r>
@@ -3465,14 +3462,12 @@
               <a:rPr lang="es-AR" sz="2000" b="1" dirty="0" smtClean="0"/>
               <a:t>cliente:</a:t>
             </a:r>
-            <a:endParaRPr lang="es-AR" sz="2000" b="1" dirty="0" smtClean="0"/>
           </a:p>
           <a:p>
             <a:r>
               <a:rPr lang="es-MX" sz="1200" dirty="0"/>
               <a:t>Para llegar a nuestros futuros clientes, se ofrecerá un modo de prueba, para que pueda utilizarlo y familiarizarse. El cliente tendrá acceso al servicio técnico las 24hs.</a:t>
             </a:r>
-            <a:endParaRPr lang="es-MX" sz="1200" dirty="0"/>
           </a:p>
         </p:txBody>
       </p:sp>
@@ -3531,15 +3526,7 @@
             </a:pPr>
             <a:r>
               <a:rPr lang="es-MX" sz="1200" dirty="0" smtClean="0"/>
-              <a:t>La </a:t>
-            </a:r>
-            <a:r>
-              <a:rPr lang="es-MX" sz="1200" smtClean="0"/>
-              <a:t>atención al </a:t>
-            </a:r>
-            <a:r>
-              <a:rPr lang="es-MX" sz="1200" dirty="0" smtClean="0"/>
-              <a:t>cliente será a través de la misma app, con respuesta por email.</a:t>
+              <a:t>La atención al cliente será a través de la misma app, con respuesta por email.</a:t>
             </a:r>
           </a:p>
           <a:p>
@@ -3608,7 +3595,6 @@
               <a:rPr lang="es-AR" sz="2000" b="1" dirty="0" smtClean="0"/>
               <a:t>costos:</a:t>
             </a:r>
-            <a:endParaRPr lang="es-AR" sz="2000" b="1" dirty="0" smtClean="0"/>
           </a:p>
           <a:p>
             <a:r>
@@ -3669,14 +3655,12 @@
               <a:rPr lang="es-AR" b="1" dirty="0" smtClean="0"/>
               <a:t>ingresos:</a:t>
             </a:r>
-            <a:endParaRPr lang="es-AR" b="1" dirty="0" smtClean="0"/>
           </a:p>
           <a:p>
             <a:r>
               <a:rPr lang="es-MX" sz="1500" dirty="0"/>
               <a:t>La app tendrá una versión Demo e incluirá publicidad que nos abonarán empresas que quieran su promoción. En la versión Premium el usuario encontrará herramientas de mayor necesidad, para la cual podrá abonar por MercadoPago o Paypal.</a:t>
             </a:r>
-            <a:endParaRPr lang="es-MX" sz="1500" dirty="0"/>
           </a:p>
         </p:txBody>
       </p:sp>
@@ -3727,11 +3711,7 @@
             </a:r>
             <a:r>
               <a:rPr lang="es-AR" sz="1400" dirty="0" smtClean="0"/>
-              <a:t>Toso - </a:t>
-            </a:r>
-            <a:r>
-              <a:rPr lang="es-AR" sz="1400" dirty="0" smtClean="0"/>
-              <a:t>Gustavo </a:t>
+              <a:t>Toso - Gustavo </a:t>
             </a:r>
             <a:r>
               <a:rPr lang="es-AR" sz="1400" dirty="0"/>
